--- a/第六课.pptx
+++ b/第六课.pptx
@@ -5,29 +5,30 @@
     <p:sldMasterId id="2147483648" r:id="rId1"/>
   </p:sldMasterIdLst>
   <p:notesMasterIdLst>
-    <p:notesMasterId r:id="rId19"/>
+    <p:notesMasterId r:id="rId20"/>
   </p:notesMasterIdLst>
   <p:handoutMasterIdLst>
-    <p:handoutMasterId r:id="rId20"/>
+    <p:handoutMasterId r:id="rId21"/>
   </p:handoutMasterIdLst>
   <p:sldIdLst>
     <p:sldId id="256" r:id="rId2"/>
     <p:sldId id="1707" r:id="rId3"/>
     <p:sldId id="1743" r:id="rId4"/>
     <p:sldId id="1758" r:id="rId5"/>
-    <p:sldId id="1750" r:id="rId6"/>
-    <p:sldId id="1745" r:id="rId7"/>
-    <p:sldId id="262" r:id="rId8"/>
-    <p:sldId id="1756" r:id="rId9"/>
-    <p:sldId id="1748" r:id="rId10"/>
-    <p:sldId id="1757" r:id="rId11"/>
-    <p:sldId id="1751" r:id="rId12"/>
-    <p:sldId id="1738" r:id="rId13"/>
-    <p:sldId id="1752" r:id="rId14"/>
-    <p:sldId id="1753" r:id="rId15"/>
-    <p:sldId id="1754" r:id="rId16"/>
-    <p:sldId id="1755" r:id="rId17"/>
-    <p:sldId id="261" r:id="rId18"/>
+    <p:sldId id="1759" r:id="rId6"/>
+    <p:sldId id="1750" r:id="rId7"/>
+    <p:sldId id="1745" r:id="rId8"/>
+    <p:sldId id="262" r:id="rId9"/>
+    <p:sldId id="1756" r:id="rId10"/>
+    <p:sldId id="1748" r:id="rId11"/>
+    <p:sldId id="1757" r:id="rId12"/>
+    <p:sldId id="1751" r:id="rId13"/>
+    <p:sldId id="1738" r:id="rId14"/>
+    <p:sldId id="1752" r:id="rId15"/>
+    <p:sldId id="1753" r:id="rId16"/>
+    <p:sldId id="1754" r:id="rId17"/>
+    <p:sldId id="1755" r:id="rId18"/>
+    <p:sldId id="261" r:id="rId19"/>
   </p:sldIdLst>
   <p:sldSz cx="12192000" cy="6858000"/>
   <p:notesSz cx="6858000" cy="9144000"/>
@@ -211,7 +212,7 @@
           <a:p>
             <a:fld id="{0F9B84EA-7D68-4D60-9CB1-D50884785D1C}" type="datetimeFigureOut">
               <a:rPr lang="zh-CN" altLang="en-US" smtClean="0"/>
-              <a:t>4/13/19</a:t>
+              <a:t>4/14/19</a:t>
             </a:fld>
             <a:endParaRPr lang="zh-CN" altLang="en-US"/>
           </a:p>
@@ -377,7 +378,7 @@
           <a:p>
             <a:fld id="{B543DE76-AB28-4417-8D9D-28409C43EEBE}" type="datetimeFigureOut">
               <a:rPr lang="zh-CN" altLang="en-US" smtClean="0"/>
-              <a:t>4/13/19</a:t>
+              <a:t>4/14/19</a:t>
             </a:fld>
             <a:endParaRPr lang="zh-CN" altLang="en-US"/>
           </a:p>
@@ -947,7 +948,7 @@
           <a:p>
             <a:fld id="{6C557799-C120-4320-A1EE-38D8F89076F9}" type="slidenum">
               <a:rPr lang="zh-CN" altLang="en-US" smtClean="0"/>
-              <a:t>7</a:t>
+              <a:t>8</a:t>
             </a:fld>
             <a:endParaRPr lang="zh-CN" altLang="en-US"/>
           </a:p>
@@ -1026,7 +1027,7 @@
           <a:p>
             <a:fld id="{6C557799-C120-4320-A1EE-38D8F89076F9}" type="slidenum">
               <a:rPr lang="zh-CN" altLang="en-US" smtClean="0"/>
-              <a:t>11</a:t>
+              <a:t>12</a:t>
             </a:fld>
             <a:endParaRPr lang="zh-CN" altLang="en-US"/>
           </a:p>
@@ -1105,7 +1106,7 @@
           <a:p>
             <a:fld id="{6C557799-C120-4320-A1EE-38D8F89076F9}" type="slidenum">
               <a:rPr lang="zh-CN" altLang="en-US" smtClean="0"/>
-              <a:t>17</a:t>
+              <a:t>18</a:t>
             </a:fld>
             <a:endParaRPr lang="zh-CN" altLang="en-US"/>
           </a:p>
@@ -3057,11 +3058,7 @@
           <a:p>
             <a:r>
               <a:rPr lang="zh-CN" altLang="en-US" dirty="0" smtClean="0"/>
-              <a:t>图片风格迁移</a:t>
-            </a:r>
-            <a:r>
-              <a:rPr lang="zh-CN" altLang="en-US" dirty="0" smtClean="0"/>
-              <a:t>和</a:t>
+              <a:t>图片风格迁移和</a:t>
             </a:r>
             <a:r>
               <a:rPr lang="en-US" altLang="zh-CN" dirty="0" smtClean="0"/>
@@ -3395,6 +3392,109 @@
       </p:grpSpPr>
       <p:sp>
         <p:nvSpPr>
+          <p:cNvPr id="3" name="Slide Number Placeholder 2"/>
+          <p:cNvSpPr>
+            <a:spLocks noGrp="1"/>
+          </p:cNvSpPr>
+          <p:nvPr>
+            <p:ph type="sldNum" sz="quarter" idx="12"/>
+          </p:nvPr>
+        </p:nvSpPr>
+        <p:spPr/>
+        <p:txBody>
+          <a:bodyPr/>
+          <a:lstStyle/>
+          <a:p>
+            <a:fld id="{5DD3DB80-B894-403A-B48E-6FDC1A72010E}" type="slidenum">
+              <a:rPr lang="zh-CN" altLang="en-US" smtClean="0"/>
+              <a:t>10</a:t>
+            </a:fld>
+            <a:endParaRPr lang="zh-CN" altLang="en-US"/>
+          </a:p>
+        </p:txBody>
+      </p:sp>
+      <p:sp>
+        <p:nvSpPr>
+          <p:cNvPr id="4" name="TextBox 3"/>
+          <p:cNvSpPr txBox="1"/>
+          <p:nvPr/>
+        </p:nvSpPr>
+        <p:spPr>
+          <a:xfrm>
+            <a:off x="1053585" y="1861509"/>
+            <a:ext cx="7764778" cy="369332"/>
+          </a:xfrm>
+          <a:prstGeom prst="rect">
+            <a:avLst/>
+          </a:prstGeom>
+          <a:noFill/>
+        </p:spPr>
+        <p:txBody>
+          <a:bodyPr wrap="square" rtlCol="0">
+            <a:spAutoFit/>
+          </a:bodyPr>
+          <a:lstStyle/>
+          <a:p>
+            <a:endParaRPr lang="en-US" dirty="0"/>
+          </a:p>
+        </p:txBody>
+      </p:sp>
+      <p:pic>
+        <p:nvPicPr>
+          <p:cNvPr id="6" name="Picture 5"/>
+          <p:cNvPicPr>
+            <a:picLocks noChangeAspect="1"/>
+          </p:cNvPicPr>
+          <p:nvPr/>
+        </p:nvPicPr>
+        <p:blipFill>
+          <a:blip r:embed="rId2"/>
+          <a:stretch>
+            <a:fillRect/>
+          </a:stretch>
+        </p:blipFill>
+        <p:spPr>
+          <a:xfrm>
+            <a:off x="990600" y="0"/>
+            <a:ext cx="10206808" cy="6858000"/>
+          </a:xfrm>
+          <a:prstGeom prst="rect">
+            <a:avLst/>
+          </a:prstGeom>
+        </p:spPr>
+      </p:pic>
+    </p:spTree>
+    <p:extLst>
+      <p:ext uri="{BB962C8B-B14F-4D97-AF65-F5344CB8AC3E}">
+        <p14:creationId xmlns:p14="http://schemas.microsoft.com/office/powerpoint/2010/main" val="2048081072"/>
+      </p:ext>
+    </p:extLst>
+  </p:cSld>
+  <p:clrMapOvr>
+    <a:masterClrMapping/>
+  </p:clrMapOvr>
+</p:sld>
+</file>
+
+<file path=ppt/slides/slide11.xml><?xml version="1.0" encoding="utf-8"?>
+<p:sld xmlns:a="http://schemas.openxmlformats.org/drawingml/2006/main" xmlns:r="http://schemas.openxmlformats.org/officeDocument/2006/relationships" xmlns:p="http://schemas.openxmlformats.org/presentationml/2006/main">
+  <p:cSld>
+    <p:spTree>
+      <p:nvGrpSpPr>
+        <p:cNvPr id="1" name=""/>
+        <p:cNvGrpSpPr/>
+        <p:nvPr/>
+      </p:nvGrpSpPr>
+      <p:grpSpPr>
+        <a:xfrm>
+          <a:off x="0" y="0"/>
+          <a:ext cx="0" cy="0"/>
+          <a:chOff x="0" y="0"/>
+          <a:chExt cx="0" cy="0"/>
+        </a:xfrm>
+      </p:grpSpPr>
+      <p:sp>
+        <p:nvSpPr>
           <p:cNvPr id="2" name="Title 1"/>
           <p:cNvSpPr>
             <a:spLocks noGrp="1"/>
@@ -3433,7 +3533,7 @@
           <a:p>
             <a:fld id="{5DD3DB80-B894-403A-B48E-6FDC1A72010E}" type="slidenum">
               <a:rPr lang="zh-CN" altLang="en-US" smtClean="0"/>
-              <a:t>10</a:t>
+              <a:t>11</a:t>
             </a:fld>
             <a:endParaRPr lang="zh-CN" altLang="en-US"/>
           </a:p>
@@ -3632,7 +3732,7 @@
 </p:sld>
 </file>
 
-<file path=ppt/slides/slide11.xml><?xml version="1.0" encoding="utf-8"?>
+<file path=ppt/slides/slide12.xml><?xml version="1.0" encoding="utf-8"?>
 <p:sld xmlns:a="http://schemas.openxmlformats.org/drawingml/2006/main" xmlns:r="http://schemas.openxmlformats.org/officeDocument/2006/relationships" xmlns:p="http://schemas.openxmlformats.org/presentationml/2006/main">
   <p:cSld>
     <p:spTree>
@@ -3811,106 +3911,6 @@
 </p:sld>
 </file>
 
-<file path=ppt/slides/slide12.xml><?xml version="1.0" encoding="utf-8"?>
-<p:sld xmlns:a="http://schemas.openxmlformats.org/drawingml/2006/main" xmlns:r="http://schemas.openxmlformats.org/officeDocument/2006/relationships" xmlns:p="http://schemas.openxmlformats.org/presentationml/2006/main">
-  <p:cSld>
-    <p:spTree>
-      <p:nvGrpSpPr>
-        <p:cNvPr id="1" name=""/>
-        <p:cNvGrpSpPr/>
-        <p:nvPr/>
-      </p:nvGrpSpPr>
-      <p:grpSpPr>
-        <a:xfrm>
-          <a:off x="0" y="0"/>
-          <a:ext cx="0" cy="0"/>
-          <a:chOff x="0" y="0"/>
-          <a:chExt cx="0" cy="0"/>
-        </a:xfrm>
-      </p:grpSpPr>
-      <p:sp>
-        <p:nvSpPr>
-          <p:cNvPr id="2" name="Title 1"/>
-          <p:cNvSpPr>
-            <a:spLocks noGrp="1"/>
-          </p:cNvSpPr>
-          <p:nvPr>
-            <p:ph type="title"/>
-          </p:nvPr>
-        </p:nvSpPr>
-        <p:spPr/>
-        <p:txBody>
-          <a:bodyPr/>
-          <a:lstStyle/>
-          <a:p>
-            <a:r>
-              <a:rPr lang="en-US" altLang="zh-CN" dirty="0" smtClean="0"/>
-              <a:t>Network</a:t>
-            </a:r>
-            <a:endParaRPr lang="en-US" dirty="0"/>
-          </a:p>
-        </p:txBody>
-      </p:sp>
-      <p:sp>
-        <p:nvSpPr>
-          <p:cNvPr id="3" name="Slide Number Placeholder 2"/>
-          <p:cNvSpPr>
-            <a:spLocks noGrp="1"/>
-          </p:cNvSpPr>
-          <p:nvPr>
-            <p:ph type="sldNum" sz="quarter" idx="12"/>
-          </p:nvPr>
-        </p:nvSpPr>
-        <p:spPr/>
-        <p:txBody>
-          <a:bodyPr/>
-          <a:lstStyle/>
-          <a:p>
-            <a:fld id="{5DD3DB80-B894-403A-B48E-6FDC1A72010E}" type="slidenum">
-              <a:rPr lang="zh-CN" altLang="en-US" smtClean="0"/>
-              <a:t>12</a:t>
-            </a:fld>
-            <a:endParaRPr lang="zh-CN" altLang="en-US"/>
-          </a:p>
-        </p:txBody>
-      </p:sp>
-      <p:pic>
-        <p:nvPicPr>
-          <p:cNvPr id="4" name="Picture 3"/>
-          <p:cNvPicPr>
-            <a:picLocks noChangeAspect="1"/>
-          </p:cNvPicPr>
-          <p:nvPr/>
-        </p:nvPicPr>
-        <p:blipFill>
-          <a:blip r:embed="rId2"/>
-          <a:stretch>
-            <a:fillRect/>
-          </a:stretch>
-        </p:blipFill>
-        <p:spPr>
-          <a:xfrm>
-            <a:off x="1288047" y="1291388"/>
-            <a:ext cx="9500269" cy="4708685"/>
-          </a:xfrm>
-          <a:prstGeom prst="rect">
-            <a:avLst/>
-          </a:prstGeom>
-        </p:spPr>
-      </p:pic>
-    </p:spTree>
-    <p:extLst>
-      <p:ext uri="{BB962C8B-B14F-4D97-AF65-F5344CB8AC3E}">
-        <p14:creationId xmlns:p14="http://schemas.microsoft.com/office/powerpoint/2010/main" val="1916065488"/>
-      </p:ext>
-    </p:extLst>
-  </p:cSld>
-  <p:clrMapOvr>
-    <a:masterClrMapping/>
-  </p:clrMapOvr>
-</p:sld>
-</file>
-
 <file path=ppt/slides/slide13.xml><?xml version="1.0" encoding="utf-8"?>
 <p:sld xmlns:a="http://schemas.openxmlformats.org/drawingml/2006/main" xmlns:r="http://schemas.openxmlformats.org/officeDocument/2006/relationships" xmlns:p="http://schemas.openxmlformats.org/presentationml/2006/main">
   <p:cSld>
@@ -3976,7 +3976,7 @@
       </p:sp>
       <p:pic>
         <p:nvPicPr>
-          <p:cNvPr id="5" name="Picture 4"/>
+          <p:cNvPr id="4" name="Picture 3"/>
           <p:cNvPicPr>
             <a:picLocks noChangeAspect="1"/>
           </p:cNvPicPr>
@@ -3990,8 +3990,8 @@
         </p:blipFill>
         <p:spPr>
           <a:xfrm>
-            <a:off x="1253289" y="1198478"/>
-            <a:ext cx="9588499" cy="4968586"/>
+            <a:off x="1288047" y="1291388"/>
+            <a:ext cx="9500269" cy="4708685"/>
           </a:xfrm>
           <a:prstGeom prst="rect">
             <a:avLst/>
@@ -4001,7 +4001,7 @@
     </p:spTree>
     <p:extLst>
       <p:ext uri="{BB962C8B-B14F-4D97-AF65-F5344CB8AC3E}">
-        <p14:creationId xmlns:p14="http://schemas.microsoft.com/office/powerpoint/2010/main" val="1502591655"/>
+        <p14:creationId xmlns:p14="http://schemas.microsoft.com/office/powerpoint/2010/main" val="1916065488"/>
       </p:ext>
     </p:extLst>
   </p:cSld>
@@ -4044,8 +4044,8 @@
           <a:lstStyle/>
           <a:p>
             <a:r>
-              <a:rPr lang="en-US" dirty="0" smtClean="0"/>
-              <a:t>模型架构</a:t>
+              <a:rPr lang="en-US" altLang="zh-CN" dirty="0" smtClean="0"/>
+              <a:t>Network</a:t>
             </a:r>
             <a:endParaRPr lang="en-US" dirty="0"/>
           </a:p>
@@ -4076,7 +4076,7 @@
       </p:sp>
       <p:pic>
         <p:nvPicPr>
-          <p:cNvPr id="4" name="Picture 3"/>
+          <p:cNvPr id="5" name="Picture 4"/>
           <p:cNvPicPr>
             <a:picLocks noChangeAspect="1"/>
           </p:cNvPicPr>
@@ -4090,8 +4090,8 @@
         </p:blipFill>
         <p:spPr>
           <a:xfrm>
-            <a:off x="0" y="1153370"/>
-            <a:ext cx="12192000" cy="4879174"/>
+            <a:off x="1253289" y="1198478"/>
+            <a:ext cx="9588499" cy="4968586"/>
           </a:xfrm>
           <a:prstGeom prst="rect">
             <a:avLst/>
@@ -4101,7 +4101,7 @@
     </p:spTree>
     <p:extLst>
       <p:ext uri="{BB962C8B-B14F-4D97-AF65-F5344CB8AC3E}">
-        <p14:creationId xmlns:p14="http://schemas.microsoft.com/office/powerpoint/2010/main" val="1862067307"/>
+        <p14:creationId xmlns:p14="http://schemas.microsoft.com/office/powerpoint/2010/main" val="1502591655"/>
       </p:ext>
     </p:extLst>
   </p:cSld>
@@ -4145,7 +4145,7 @@
           <a:p>
             <a:r>
               <a:rPr lang="en-US" dirty="0" smtClean="0"/>
-              <a:t>损失函数</a:t>
+              <a:t>模型架构</a:t>
             </a:r>
             <a:endParaRPr lang="en-US" dirty="0"/>
           </a:p>
@@ -4169,6 +4169,106 @@
             <a:fld id="{5DD3DB80-B894-403A-B48E-6FDC1A72010E}" type="slidenum">
               <a:rPr lang="zh-CN" altLang="en-US" smtClean="0"/>
               <a:t>15</a:t>
+            </a:fld>
+            <a:endParaRPr lang="zh-CN" altLang="en-US"/>
+          </a:p>
+        </p:txBody>
+      </p:sp>
+      <p:pic>
+        <p:nvPicPr>
+          <p:cNvPr id="4" name="Picture 3"/>
+          <p:cNvPicPr>
+            <a:picLocks noChangeAspect="1"/>
+          </p:cNvPicPr>
+          <p:nvPr/>
+        </p:nvPicPr>
+        <p:blipFill>
+          <a:blip r:embed="rId2"/>
+          <a:stretch>
+            <a:fillRect/>
+          </a:stretch>
+        </p:blipFill>
+        <p:spPr>
+          <a:xfrm>
+            <a:off x="0" y="1153370"/>
+            <a:ext cx="12192000" cy="4879174"/>
+          </a:xfrm>
+          <a:prstGeom prst="rect">
+            <a:avLst/>
+          </a:prstGeom>
+        </p:spPr>
+      </p:pic>
+    </p:spTree>
+    <p:extLst>
+      <p:ext uri="{BB962C8B-B14F-4D97-AF65-F5344CB8AC3E}">
+        <p14:creationId xmlns:p14="http://schemas.microsoft.com/office/powerpoint/2010/main" val="1862067307"/>
+      </p:ext>
+    </p:extLst>
+  </p:cSld>
+  <p:clrMapOvr>
+    <a:masterClrMapping/>
+  </p:clrMapOvr>
+</p:sld>
+</file>
+
+<file path=ppt/slides/slide16.xml><?xml version="1.0" encoding="utf-8"?>
+<p:sld xmlns:a="http://schemas.openxmlformats.org/drawingml/2006/main" xmlns:r="http://schemas.openxmlformats.org/officeDocument/2006/relationships" xmlns:p="http://schemas.openxmlformats.org/presentationml/2006/main">
+  <p:cSld>
+    <p:spTree>
+      <p:nvGrpSpPr>
+        <p:cNvPr id="1" name=""/>
+        <p:cNvGrpSpPr/>
+        <p:nvPr/>
+      </p:nvGrpSpPr>
+      <p:grpSpPr>
+        <a:xfrm>
+          <a:off x="0" y="0"/>
+          <a:ext cx="0" cy="0"/>
+          <a:chOff x="0" y="0"/>
+          <a:chExt cx="0" cy="0"/>
+        </a:xfrm>
+      </p:grpSpPr>
+      <p:sp>
+        <p:nvSpPr>
+          <p:cNvPr id="2" name="Title 1"/>
+          <p:cNvSpPr>
+            <a:spLocks noGrp="1"/>
+          </p:cNvSpPr>
+          <p:nvPr>
+            <p:ph type="title"/>
+          </p:nvPr>
+        </p:nvSpPr>
+        <p:spPr/>
+        <p:txBody>
+          <a:bodyPr/>
+          <a:lstStyle/>
+          <a:p>
+            <a:r>
+              <a:rPr lang="en-US" dirty="0" smtClean="0"/>
+              <a:t>损失函数</a:t>
+            </a:r>
+            <a:endParaRPr lang="en-US" dirty="0"/>
+          </a:p>
+        </p:txBody>
+      </p:sp>
+      <p:sp>
+        <p:nvSpPr>
+          <p:cNvPr id="3" name="Slide Number Placeholder 2"/>
+          <p:cNvSpPr>
+            <a:spLocks noGrp="1"/>
+          </p:cNvSpPr>
+          <p:nvPr>
+            <p:ph type="sldNum" sz="quarter" idx="12"/>
+          </p:nvPr>
+        </p:nvSpPr>
+        <p:spPr/>
+        <p:txBody>
+          <a:bodyPr/>
+          <a:lstStyle/>
+          <a:p>
+            <a:fld id="{5DD3DB80-B894-403A-B48E-6FDC1A72010E}" type="slidenum">
+              <a:rPr lang="zh-CN" altLang="en-US" smtClean="0"/>
+              <a:t>16</a:t>
             </a:fld>
             <a:endParaRPr lang="zh-CN" altLang="en-US"/>
           </a:p>
@@ -4323,7 +4423,7 @@
 </p:sld>
 </file>
 
-<file path=ppt/slides/slide16.xml><?xml version="1.0" encoding="utf-8"?>
+<file path=ppt/slides/slide17.xml><?xml version="1.0" encoding="utf-8"?>
 <p:sld xmlns:a="http://schemas.openxmlformats.org/drawingml/2006/main" xmlns:r="http://schemas.openxmlformats.org/officeDocument/2006/relationships" xmlns:p="http://schemas.openxmlformats.org/presentationml/2006/main">
   <p:cSld>
     <p:spTree>
@@ -4384,7 +4484,7 @@
           <a:p>
             <a:fld id="{5DD3DB80-B894-403A-B48E-6FDC1A72010E}" type="slidenum">
               <a:rPr lang="zh-CN" altLang="en-US" smtClean="0"/>
-              <a:t>16</a:t>
+              <a:t>17</a:t>
             </a:fld>
             <a:endParaRPr lang="zh-CN" altLang="en-US"/>
           </a:p>
@@ -4520,7 +4620,7 @@
 </p:sld>
 </file>
 
-<file path=ppt/slides/slide17.xml><?xml version="1.0" encoding="utf-8"?>
+<file path=ppt/slides/slide18.xml><?xml version="1.0" encoding="utf-8"?>
 <p:sld xmlns:a="http://schemas.openxmlformats.org/drawingml/2006/main" xmlns:r="http://schemas.openxmlformats.org/officeDocument/2006/relationships" xmlns:p="http://schemas.openxmlformats.org/presentationml/2006/main">
   <p:cSld>
     <p:spTree>
@@ -8928,7 +9028,7 @@
               <a:t>https://</a:t>
             </a:r>
             <a:r>
-              <a:rPr lang="en-US" dirty="0" err="1"/>
+              <a:rPr lang="en-US" dirty="0" err="1" smtClean="0"/>
               <a:t>arxiv.org</a:t>
             </a:r>
             <a:r>
@@ -9023,7 +9123,7 @@
           <a:p>
             <a:r>
               <a:rPr lang="en-US" dirty="0" smtClean="0"/>
-              <a:t>Content Loss</a:t>
+              <a:t>图片表示</a:t>
             </a:r>
             <a:endParaRPr lang="en-US" dirty="0"/>
           </a:p>
@@ -9052,34 +9152,81 @@
           </a:p>
         </p:txBody>
       </p:sp>
-      <p:pic>
-        <p:nvPicPr>
-          <p:cNvPr id="4" name="Picture 3"/>
-          <p:cNvPicPr>
-            <a:picLocks noChangeAspect="1"/>
-          </p:cNvPicPr>
+      <p:sp>
+        <p:nvSpPr>
+          <p:cNvPr id="4" name="TextBox 3"/>
+          <p:cNvSpPr txBox="1"/>
           <p:nvPr/>
-        </p:nvPicPr>
-        <p:blipFill>
-          <a:blip r:embed="rId2"/>
-          <a:stretch>
-            <a:fillRect/>
-          </a:stretch>
-        </p:blipFill>
+        </p:nvSpPr>
         <p:spPr>
           <a:xfrm>
-            <a:off x="1147679" y="1583489"/>
-            <a:ext cx="4991100" cy="990600"/>
+            <a:off x="735238" y="1462260"/>
+            <a:ext cx="9950777" cy="1569660"/>
           </a:xfrm>
           <a:prstGeom prst="rect">
             <a:avLst/>
           </a:prstGeom>
+          <a:noFill/>
         </p:spPr>
-      </p:pic>
+        <p:txBody>
+          <a:bodyPr wrap="square" rtlCol="0">
+            <a:spAutoFit/>
+          </a:bodyPr>
+          <a:lstStyle/>
+          <a:p>
+            <a:r>
+              <a:rPr lang="zh-CN" altLang="en-US" sz="2400" dirty="0" smtClean="0"/>
+              <a:t>使用</a:t>
+            </a:r>
+            <a:r>
+              <a:rPr lang="en-US" altLang="zh-CN" sz="2400" dirty="0" smtClean="0"/>
+              <a:t>VGG network</a:t>
+            </a:r>
+            <a:r>
+              <a:rPr lang="zh-CN" altLang="en-US" sz="2400" dirty="0" smtClean="0"/>
+              <a:t>来表示</a:t>
+            </a:r>
+            <a:endParaRPr lang="en-US" altLang="zh-CN" sz="2400" dirty="0" smtClean="0"/>
+          </a:p>
+          <a:p>
+            <a:pPr marL="285750" indent="-285750">
+              <a:buFontTx/>
+              <a:buChar char="-"/>
+            </a:pPr>
+            <a:r>
+              <a:rPr lang="zh-CN" altLang="en-US" sz="2400" dirty="0" smtClean="0"/>
+              <a:t>内容图片</a:t>
+            </a:r>
+            <a:endParaRPr lang="en-US" altLang="zh-CN" sz="2400" dirty="0" smtClean="0"/>
+          </a:p>
+          <a:p>
+            <a:pPr marL="285750" indent="-285750">
+              <a:buFontTx/>
+              <a:buChar char="-"/>
+            </a:pPr>
+            <a:r>
+              <a:rPr lang="zh-CN" altLang="en-US" sz="2400" dirty="0" smtClean="0"/>
+              <a:t>风格图片</a:t>
+            </a:r>
+            <a:endParaRPr lang="en-US" altLang="zh-CN" sz="2400" dirty="0" smtClean="0"/>
+          </a:p>
+          <a:p>
+            <a:pPr marL="285750" indent="-285750">
+              <a:buFontTx/>
+              <a:buChar char="-"/>
+            </a:pPr>
+            <a:r>
+              <a:rPr lang="zh-CN" altLang="en-US" sz="2400" dirty="0" smtClean="0"/>
+              <a:t>风格迁移后的新图片</a:t>
+            </a:r>
+            <a:endParaRPr lang="en-US" sz="2400" dirty="0"/>
+          </a:p>
+        </p:txBody>
+      </p:sp>
     </p:spTree>
     <p:extLst>
       <p:ext uri="{BB962C8B-B14F-4D97-AF65-F5344CB8AC3E}">
-        <p14:creationId xmlns:p14="http://schemas.microsoft.com/office/powerpoint/2010/main" val="1456207307"/>
+        <p14:creationId xmlns:p14="http://schemas.microsoft.com/office/powerpoint/2010/main" val="224833477"/>
       </p:ext>
     </p:extLst>
   </p:cSld>
@@ -9123,7 +9270,7 @@
           <a:p>
             <a:r>
               <a:rPr lang="en-US" dirty="0" smtClean="0"/>
-              <a:t>Style Loss</a:t>
+              <a:t>Content Loss</a:t>
             </a:r>
             <a:endParaRPr lang="en-US" dirty="0"/>
           </a:p>
@@ -9147,6 +9294,106 @@
             <a:fld id="{5DD3DB80-B894-403A-B48E-6FDC1A72010E}" type="slidenum">
               <a:rPr lang="zh-CN" altLang="en-US" smtClean="0"/>
               <a:t>6</a:t>
+            </a:fld>
+            <a:endParaRPr lang="zh-CN" altLang="en-US"/>
+          </a:p>
+        </p:txBody>
+      </p:sp>
+      <p:pic>
+        <p:nvPicPr>
+          <p:cNvPr id="4" name="Picture 3"/>
+          <p:cNvPicPr>
+            <a:picLocks noChangeAspect="1"/>
+          </p:cNvPicPr>
+          <p:nvPr/>
+        </p:nvPicPr>
+        <p:blipFill>
+          <a:blip r:embed="rId2"/>
+          <a:stretch>
+            <a:fillRect/>
+          </a:stretch>
+        </p:blipFill>
+        <p:spPr>
+          <a:xfrm>
+            <a:off x="1147679" y="1583489"/>
+            <a:ext cx="4991100" cy="990600"/>
+          </a:xfrm>
+          <a:prstGeom prst="rect">
+            <a:avLst/>
+          </a:prstGeom>
+        </p:spPr>
+      </p:pic>
+    </p:spTree>
+    <p:extLst>
+      <p:ext uri="{BB962C8B-B14F-4D97-AF65-F5344CB8AC3E}">
+        <p14:creationId xmlns:p14="http://schemas.microsoft.com/office/powerpoint/2010/main" val="1456207307"/>
+      </p:ext>
+    </p:extLst>
+  </p:cSld>
+  <p:clrMapOvr>
+    <a:masterClrMapping/>
+  </p:clrMapOvr>
+</p:sld>
+</file>
+
+<file path=ppt/slides/slide7.xml><?xml version="1.0" encoding="utf-8"?>
+<p:sld xmlns:a="http://schemas.openxmlformats.org/drawingml/2006/main" xmlns:r="http://schemas.openxmlformats.org/officeDocument/2006/relationships" xmlns:p="http://schemas.openxmlformats.org/presentationml/2006/main">
+  <p:cSld>
+    <p:spTree>
+      <p:nvGrpSpPr>
+        <p:cNvPr id="1" name=""/>
+        <p:cNvGrpSpPr/>
+        <p:nvPr/>
+      </p:nvGrpSpPr>
+      <p:grpSpPr>
+        <a:xfrm>
+          <a:off x="0" y="0"/>
+          <a:ext cx="0" cy="0"/>
+          <a:chOff x="0" y="0"/>
+          <a:chExt cx="0" cy="0"/>
+        </a:xfrm>
+      </p:grpSpPr>
+      <p:sp>
+        <p:nvSpPr>
+          <p:cNvPr id="2" name="Title 1"/>
+          <p:cNvSpPr>
+            <a:spLocks noGrp="1"/>
+          </p:cNvSpPr>
+          <p:nvPr>
+            <p:ph type="title"/>
+          </p:nvPr>
+        </p:nvSpPr>
+        <p:spPr/>
+        <p:txBody>
+          <a:bodyPr/>
+          <a:lstStyle/>
+          <a:p>
+            <a:r>
+              <a:rPr lang="en-US" dirty="0" smtClean="0"/>
+              <a:t>Style Loss</a:t>
+            </a:r>
+            <a:endParaRPr lang="en-US" dirty="0"/>
+          </a:p>
+        </p:txBody>
+      </p:sp>
+      <p:sp>
+        <p:nvSpPr>
+          <p:cNvPr id="3" name="Slide Number Placeholder 2"/>
+          <p:cNvSpPr>
+            <a:spLocks noGrp="1"/>
+          </p:cNvSpPr>
+          <p:nvPr>
+            <p:ph type="sldNum" sz="quarter" idx="12"/>
+          </p:nvPr>
+        </p:nvSpPr>
+        <p:spPr/>
+        <p:txBody>
+          <a:bodyPr/>
+          <a:lstStyle/>
+          <a:p>
+            <a:fld id="{5DD3DB80-B894-403A-B48E-6FDC1A72010E}" type="slidenum">
+              <a:rPr lang="zh-CN" altLang="en-US" smtClean="0"/>
+              <a:t>7</a:t>
             </a:fld>
             <a:endParaRPr lang="zh-CN" altLang="en-US"/>
           </a:p>
@@ -9293,7 +9540,7 @@
 </p:sld>
 </file>
 
-<file path=ppt/slides/slide7.xml><?xml version="1.0" encoding="utf-8"?>
+<file path=ppt/slides/slide8.xml><?xml version="1.0" encoding="utf-8"?>
 <p:sld xmlns:a="http://schemas.openxmlformats.org/drawingml/2006/main" xmlns:r="http://schemas.openxmlformats.org/officeDocument/2006/relationships" xmlns:p="http://schemas.openxmlformats.org/presentationml/2006/main">
   <p:cSld>
     <p:spTree>
@@ -9467,7 +9714,7 @@
 </p:sld>
 </file>
 
-<file path=ppt/slides/slide8.xml><?xml version="1.0" encoding="utf-8"?>
+<file path=ppt/slides/slide9.xml><?xml version="1.0" encoding="utf-8"?>
 <p:sld xmlns:a="http://schemas.openxmlformats.org/drawingml/2006/main" xmlns:r="http://schemas.openxmlformats.org/officeDocument/2006/relationships" xmlns:p="http://schemas.openxmlformats.org/presentationml/2006/main">
   <p:cSld>
     <p:spTree>
@@ -9524,7 +9771,7 @@
           <a:p>
             <a:fld id="{5DD3DB80-B894-403A-B48E-6FDC1A72010E}" type="slidenum">
               <a:rPr lang="zh-CN" altLang="en-US" smtClean="0"/>
-              <a:t>8</a:t>
+              <a:t>9</a:t>
             </a:fld>
             <a:endParaRPr lang="zh-CN" altLang="en-US"/>
           </a:p>
@@ -9539,7 +9786,7 @@
         <p:spPr>
           <a:xfrm>
             <a:off x="701818" y="1520751"/>
-            <a:ext cx="9708483" cy="923330"/>
+            <a:ext cx="9708483" cy="1200328"/>
           </a:xfrm>
           <a:prstGeom prst="rect">
             <a:avLst/>
@@ -9553,19 +9800,19 @@
           <a:lstStyle/>
           <a:p>
             <a:r>
-              <a:rPr lang="en-US" dirty="0" smtClean="0"/>
+              <a:rPr lang="en-US" sz="2400" dirty="0" smtClean="0"/>
               <a:t>Generator: 生成器，目标是让生成的数据接近真实数据</a:t>
             </a:r>
           </a:p>
           <a:p>
-            <a:endParaRPr lang="en-US" dirty="0"/>
-          </a:p>
-          <a:p>
-            <a:r>
-              <a:rPr lang="en-US" dirty="0" smtClean="0"/>
+            <a:endParaRPr lang="en-US" sz="2400" dirty="0"/>
+          </a:p>
+          <a:p>
+            <a:r>
+              <a:rPr lang="en-US" sz="2400" dirty="0" smtClean="0"/>
               <a:t>Discriminator: 分类器，目标是能够鉴别真实数据和生成的假数据</a:t>
             </a:r>
-            <a:endParaRPr lang="en-US" dirty="0"/>
+            <a:endParaRPr lang="en-US" sz="2400" dirty="0"/>
           </a:p>
         </p:txBody>
       </p:sp>
@@ -9573,109 +9820,6 @@
     <p:extLst>
       <p:ext uri="{BB962C8B-B14F-4D97-AF65-F5344CB8AC3E}">
         <p14:creationId xmlns:p14="http://schemas.microsoft.com/office/powerpoint/2010/main" val="3332176627"/>
-      </p:ext>
-    </p:extLst>
-  </p:cSld>
-  <p:clrMapOvr>
-    <a:masterClrMapping/>
-  </p:clrMapOvr>
-</p:sld>
-</file>
-
-<file path=ppt/slides/slide9.xml><?xml version="1.0" encoding="utf-8"?>
-<p:sld xmlns:a="http://schemas.openxmlformats.org/drawingml/2006/main" xmlns:r="http://schemas.openxmlformats.org/officeDocument/2006/relationships" xmlns:p="http://schemas.openxmlformats.org/presentationml/2006/main">
-  <p:cSld>
-    <p:spTree>
-      <p:nvGrpSpPr>
-        <p:cNvPr id="1" name=""/>
-        <p:cNvGrpSpPr/>
-        <p:nvPr/>
-      </p:nvGrpSpPr>
-      <p:grpSpPr>
-        <a:xfrm>
-          <a:off x="0" y="0"/>
-          <a:ext cx="0" cy="0"/>
-          <a:chOff x="0" y="0"/>
-          <a:chExt cx="0" cy="0"/>
-        </a:xfrm>
-      </p:grpSpPr>
-      <p:sp>
-        <p:nvSpPr>
-          <p:cNvPr id="3" name="Slide Number Placeholder 2"/>
-          <p:cNvSpPr>
-            <a:spLocks noGrp="1"/>
-          </p:cNvSpPr>
-          <p:nvPr>
-            <p:ph type="sldNum" sz="quarter" idx="12"/>
-          </p:nvPr>
-        </p:nvSpPr>
-        <p:spPr/>
-        <p:txBody>
-          <a:bodyPr/>
-          <a:lstStyle/>
-          <a:p>
-            <a:fld id="{5DD3DB80-B894-403A-B48E-6FDC1A72010E}" type="slidenum">
-              <a:rPr lang="zh-CN" altLang="en-US" smtClean="0"/>
-              <a:t>9</a:t>
-            </a:fld>
-            <a:endParaRPr lang="zh-CN" altLang="en-US"/>
-          </a:p>
-        </p:txBody>
-      </p:sp>
-      <p:sp>
-        <p:nvSpPr>
-          <p:cNvPr id="4" name="TextBox 3"/>
-          <p:cNvSpPr txBox="1"/>
-          <p:nvPr/>
-        </p:nvSpPr>
-        <p:spPr>
-          <a:xfrm>
-            <a:off x="1053585" y="1861509"/>
-            <a:ext cx="7764778" cy="369332"/>
-          </a:xfrm>
-          <a:prstGeom prst="rect">
-            <a:avLst/>
-          </a:prstGeom>
-          <a:noFill/>
-        </p:spPr>
-        <p:txBody>
-          <a:bodyPr wrap="square" rtlCol="0">
-            <a:spAutoFit/>
-          </a:bodyPr>
-          <a:lstStyle/>
-          <a:p>
-            <a:endParaRPr lang="en-US" dirty="0"/>
-          </a:p>
-        </p:txBody>
-      </p:sp>
-      <p:pic>
-        <p:nvPicPr>
-          <p:cNvPr id="6" name="Picture 5"/>
-          <p:cNvPicPr>
-            <a:picLocks noChangeAspect="1"/>
-          </p:cNvPicPr>
-          <p:nvPr/>
-        </p:nvPicPr>
-        <p:blipFill>
-          <a:blip r:embed="rId2"/>
-          <a:stretch>
-            <a:fillRect/>
-          </a:stretch>
-        </p:blipFill>
-        <p:spPr>
-          <a:xfrm>
-            <a:off x="990600" y="0"/>
-            <a:ext cx="10206808" cy="6858000"/>
-          </a:xfrm>
-          <a:prstGeom prst="rect">
-            <a:avLst/>
-          </a:prstGeom>
-        </p:spPr>
-      </p:pic>
-    </p:spTree>
-    <p:extLst>
-      <p:ext uri="{BB962C8B-B14F-4D97-AF65-F5344CB8AC3E}">
-        <p14:creationId xmlns:p14="http://schemas.microsoft.com/office/powerpoint/2010/main" val="2048081072"/>
       </p:ext>
     </p:extLst>
   </p:cSld>
@@ -9896,7 +10040,7 @@
   <a:extraClrSchemeLst/>
   <a:extLst>
     <a:ext uri="{05A4C25C-085E-4340-85A3-A5531E510DB2}">
-      <thm15:themeFamily xmlns:thm15="http://schemas.microsoft.com/office/thememl/2012/main" xmlns="" name="Office Theme" id="{62F939B6-93AF-4DB8-9C6B-D6C7DFDC589F}" vid="{4A3C46E8-61CC-4603-A589-7422A47A8E4A}"/>
+      <thm15:themeFamily xmlns="" xmlns:thm15="http://schemas.microsoft.com/office/thememl/2012/main" name="Office Theme" id="{62F939B6-93AF-4DB8-9C6B-D6C7DFDC589F}" vid="{4A3C46E8-61CC-4603-A589-7422A47A8E4A}"/>
     </a:ext>
   </a:extLst>
 </a:theme>
@@ -10157,7 +10301,7 @@
   <a:extraClrSchemeLst/>
   <a:extLst>
     <a:ext uri="{05A4C25C-085E-4340-85A3-A5531E510DB2}">
-      <thm15:themeFamily xmlns:thm15="http://schemas.microsoft.com/office/thememl/2012/main" xmlns="" name="Office Theme" id="{62F939B6-93AF-4DB8-9C6B-D6C7DFDC589F}" vid="{4A3C46E8-61CC-4603-A589-7422A47A8E4A}"/>
+      <thm15:themeFamily xmlns="" xmlns:thm15="http://schemas.microsoft.com/office/thememl/2012/main" name="Office Theme" id="{62F939B6-93AF-4DB8-9C6B-D6C7DFDC589F}" vid="{4A3C46E8-61CC-4603-A589-7422A47A8E4A}"/>
     </a:ext>
   </a:extLst>
 </a:theme>
@@ -10418,7 +10562,7 @@
   <a:extraClrSchemeLst/>
   <a:extLst>
     <a:ext uri="{05A4C25C-085E-4340-85A3-A5531E510DB2}">
-      <thm15:themeFamily xmlns:thm15="http://schemas.microsoft.com/office/thememl/2012/main" xmlns="" name="Office Theme" id="{62F939B6-93AF-4DB8-9C6B-D6C7DFDC589F}" vid="{4A3C46E8-61CC-4603-A589-7422A47A8E4A}"/>
+      <thm15:themeFamily xmlns="" xmlns:thm15="http://schemas.microsoft.com/office/thememl/2012/main" name="Office Theme" id="{62F939B6-93AF-4DB8-9C6B-D6C7DFDC589F}" vid="{4A3C46E8-61CC-4603-A589-7422A47A8E4A}"/>
     </a:ext>
   </a:extLst>
 </a:theme>
